--- a/avv_logos.pptx
+++ b/avv_logos.pptx
@@ -104,6 +104,11 @@
       </a:defRPr>
     </a:lvl9pPr>
   </p:defaultTextStyle>
+  <p:extLst>
+    <p:ext uri="{EFAFB233-063F-42B5-8137-9DF3F51BA10A}">
+      <p15:sldGuideLst xmlns:p15="http://schemas.microsoft.com/office/powerpoint/2012/main"/>
+    </p:ext>
+  </p:extLst>
 </p:presentation>
 </file>
 
@@ -238,7 +243,7 @@
           <a:p>
             <a:fld id="{8B62A6F4-6C6F-4FAC-83C6-3CABAF243AF6}" type="datetimeFigureOut">
               <a:rPr lang="en-HK" smtClean="0"/>
-              <a:t>13/9/2020</a:t>
+              <a:t>22/9/2020</a:t>
             </a:fld>
             <a:endParaRPr lang="en-HK"/>
           </a:p>
@@ -408,7 +413,7 @@
           <a:p>
             <a:fld id="{8B62A6F4-6C6F-4FAC-83C6-3CABAF243AF6}" type="datetimeFigureOut">
               <a:rPr lang="en-HK" smtClean="0"/>
-              <a:t>13/9/2020</a:t>
+              <a:t>22/9/2020</a:t>
             </a:fld>
             <a:endParaRPr lang="en-HK"/>
           </a:p>
@@ -588,7 +593,7 @@
           <a:p>
             <a:fld id="{8B62A6F4-6C6F-4FAC-83C6-3CABAF243AF6}" type="datetimeFigureOut">
               <a:rPr lang="en-HK" smtClean="0"/>
-              <a:t>13/9/2020</a:t>
+              <a:t>22/9/2020</a:t>
             </a:fld>
             <a:endParaRPr lang="en-HK"/>
           </a:p>
@@ -758,7 +763,7 @@
           <a:p>
             <a:fld id="{8B62A6F4-6C6F-4FAC-83C6-3CABAF243AF6}" type="datetimeFigureOut">
               <a:rPr lang="en-HK" smtClean="0"/>
-              <a:t>13/9/2020</a:t>
+              <a:t>22/9/2020</a:t>
             </a:fld>
             <a:endParaRPr lang="en-HK"/>
           </a:p>
@@ -1004,7 +1009,7 @@
           <a:p>
             <a:fld id="{8B62A6F4-6C6F-4FAC-83C6-3CABAF243AF6}" type="datetimeFigureOut">
               <a:rPr lang="en-HK" smtClean="0"/>
-              <a:t>13/9/2020</a:t>
+              <a:t>22/9/2020</a:t>
             </a:fld>
             <a:endParaRPr lang="en-HK"/>
           </a:p>
@@ -1236,7 +1241,7 @@
           <a:p>
             <a:fld id="{8B62A6F4-6C6F-4FAC-83C6-3CABAF243AF6}" type="datetimeFigureOut">
               <a:rPr lang="en-HK" smtClean="0"/>
-              <a:t>13/9/2020</a:t>
+              <a:t>22/9/2020</a:t>
             </a:fld>
             <a:endParaRPr lang="en-HK"/>
           </a:p>
@@ -1603,7 +1608,7 @@
           <a:p>
             <a:fld id="{8B62A6F4-6C6F-4FAC-83C6-3CABAF243AF6}" type="datetimeFigureOut">
               <a:rPr lang="en-HK" smtClean="0"/>
-              <a:t>13/9/2020</a:t>
+              <a:t>22/9/2020</a:t>
             </a:fld>
             <a:endParaRPr lang="en-HK"/>
           </a:p>
@@ -1721,7 +1726,7 @@
           <a:p>
             <a:fld id="{8B62A6F4-6C6F-4FAC-83C6-3CABAF243AF6}" type="datetimeFigureOut">
               <a:rPr lang="en-HK" smtClean="0"/>
-              <a:t>13/9/2020</a:t>
+              <a:t>22/9/2020</a:t>
             </a:fld>
             <a:endParaRPr lang="en-HK"/>
           </a:p>
@@ -1816,7 +1821,7 @@
           <a:p>
             <a:fld id="{8B62A6F4-6C6F-4FAC-83C6-3CABAF243AF6}" type="datetimeFigureOut">
               <a:rPr lang="en-HK" smtClean="0"/>
-              <a:t>13/9/2020</a:t>
+              <a:t>22/9/2020</a:t>
             </a:fld>
             <a:endParaRPr lang="en-HK"/>
           </a:p>
@@ -2093,7 +2098,7 @@
           <a:p>
             <a:fld id="{8B62A6F4-6C6F-4FAC-83C6-3CABAF243AF6}" type="datetimeFigureOut">
               <a:rPr lang="en-HK" smtClean="0"/>
-              <a:t>13/9/2020</a:t>
+              <a:t>22/9/2020</a:t>
             </a:fld>
             <a:endParaRPr lang="en-HK"/>
           </a:p>
@@ -2350,7 +2355,7 @@
           <a:p>
             <a:fld id="{8B62A6F4-6C6F-4FAC-83C6-3CABAF243AF6}" type="datetimeFigureOut">
               <a:rPr lang="en-HK" smtClean="0"/>
-              <a:t>13/9/2020</a:t>
+              <a:t>22/9/2020</a:t>
             </a:fld>
             <a:endParaRPr lang="en-HK"/>
           </a:p>
@@ -2563,7 +2568,7 @@
           <a:p>
             <a:fld id="{8B62A6F4-6C6F-4FAC-83C6-3CABAF243AF6}" type="datetimeFigureOut">
               <a:rPr lang="en-HK" smtClean="0"/>
-              <a:t>13/9/2020</a:t>
+              <a:t>22/9/2020</a:t>
             </a:fld>
             <a:endParaRPr lang="en-HK"/>
           </a:p>
@@ -2970,10 +2975,10 @@
       </p:grpSpPr>
       <p:pic>
         <p:nvPicPr>
-          <p:cNvPr id="5" name="Picture 4" descr="A close up of a sign&#10;&#10;Description automatically generated">
+          <p:cNvPr id="9" name="Picture 8" descr="A close up of a logo&#10;&#10;Description automatically generated">
             <a:extLst>
               <a:ext uri="{FF2B5EF4-FFF2-40B4-BE49-F238E27FC236}">
-                <a16:creationId xmlns:a16="http://schemas.microsoft.com/office/drawing/2014/main" id="{6463C221-DD81-477A-BE0B-1460A384F545}"/>
+                <a16:creationId xmlns:a16="http://schemas.microsoft.com/office/drawing/2014/main" id="{7A234246-05BD-4643-8B51-66D2B6BF464F}"/>
               </a:ext>
             </a:extLst>
           </p:cNvPr>
@@ -2982,7 +2987,7 @@
           </p:cNvPicPr>
           <p:nvPr/>
         </p:nvPicPr>
-        <p:blipFill>
+        <p:blipFill rotWithShape="1">
           <a:blip r:embed="rId2">
             <a:extLst>
               <a:ext uri="{28A0092B-C50C-407E-A947-70E740481C1C}">
@@ -2990,14 +2995,13 @@
               </a:ext>
             </a:extLst>
           </a:blip>
-          <a:stretch>
-            <a:fillRect/>
-          </a:stretch>
+          <a:srcRect l="17045" t="10100" r="15703" b="12535"/>
+          <a:stretch/>
         </p:blipFill>
         <p:spPr>
           <a:xfrm>
-            <a:off x="0" y="0"/>
-            <a:ext cx="1371600" cy="1371600"/>
+            <a:off x="13734317" y="2789"/>
+            <a:ext cx="1330519" cy="1363172"/>
           </a:xfrm>
           <a:prstGeom prst="rect">
             <a:avLst/>
@@ -3006,10 +3010,10 @@
       </p:pic>
       <p:pic>
         <p:nvPicPr>
-          <p:cNvPr id="1026" name="Picture 2" descr="Aristotle University of Thessaloniki - Wikipedia">
+          <p:cNvPr id="1032" name="Picture 8" descr="ZF Friedrichshafen - Wikipedia">
             <a:extLst>
               <a:ext uri="{FF2B5EF4-FFF2-40B4-BE49-F238E27FC236}">
-                <a16:creationId xmlns:a16="http://schemas.microsoft.com/office/drawing/2014/main" id="{D9E3E75D-1FC9-48D0-BCB8-641507B72427}"/>
+                <a16:creationId xmlns:a16="http://schemas.microsoft.com/office/drawing/2014/main" id="{18E1BF34-93D5-42C8-9FBD-BB24CDAFCE2C}"/>
               </a:ext>
             </a:extLst>
           </p:cNvPr>
@@ -3033,125 +3037,7 @@
         </p:blipFill>
         <p:spPr bwMode="auto">
           <a:xfrm>
-            <a:off x="1566862" y="0"/>
-            <a:ext cx="1371600" cy="1371600"/>
-          </a:xfrm>
-          <a:prstGeom prst="rect">
-            <a:avLst/>
-          </a:prstGeom>
-          <a:noFill/>
-          <a:extLst>
-            <a:ext uri="{909E8E84-426E-40DD-AFC4-6F175D3DCCD1}">
-              <a14:hiddenFill xmlns:a14="http://schemas.microsoft.com/office/drawing/2010/main">
-                <a:solidFill>
-                  <a:srgbClr val="FFFFFF"/>
-                </a:solidFill>
-              </a14:hiddenFill>
-            </a:ext>
-          </a:extLst>
-        </p:spPr>
-      </p:pic>
-      <p:pic>
-        <p:nvPicPr>
-          <p:cNvPr id="7" name="Picture 6" descr="A close up of a sign&#10;&#10;Description automatically generated">
-            <a:extLst>
-              <a:ext uri="{FF2B5EF4-FFF2-40B4-BE49-F238E27FC236}">
-                <a16:creationId xmlns:a16="http://schemas.microsoft.com/office/drawing/2014/main" id="{1F2B752C-8BA9-4AB8-B9BF-AF741BB91CF0}"/>
-              </a:ext>
-            </a:extLst>
-          </p:cNvPr>
-          <p:cNvPicPr>
-            <a:picLocks noChangeAspect="1"/>
-          </p:cNvPicPr>
-          <p:nvPr/>
-        </p:nvPicPr>
-        <p:blipFill>
-          <a:blip r:embed="rId4">
-            <a:extLst>
-              <a:ext uri="{28A0092B-C50C-407E-A947-70E740481C1C}">
-                <a14:useLocalDpi xmlns:a14="http://schemas.microsoft.com/office/drawing/2010/main" val="0"/>
-              </a:ext>
-            </a:extLst>
-          </a:blip>
-          <a:stretch>
-            <a:fillRect/>
-          </a:stretch>
-        </p:blipFill>
-        <p:spPr>
-          <a:xfrm>
-            <a:off x="3133724" y="11013"/>
-            <a:ext cx="4285488" cy="1349574"/>
-          </a:xfrm>
-          <a:prstGeom prst="rect">
-            <a:avLst/>
-          </a:prstGeom>
-        </p:spPr>
-      </p:pic>
-      <p:pic>
-        <p:nvPicPr>
-          <p:cNvPr id="9" name="Picture 8" descr="A close up of a logo&#10;&#10;Description automatically generated">
-            <a:extLst>
-              <a:ext uri="{FF2B5EF4-FFF2-40B4-BE49-F238E27FC236}">
-                <a16:creationId xmlns:a16="http://schemas.microsoft.com/office/drawing/2014/main" id="{7A234246-05BD-4643-8B51-66D2B6BF464F}"/>
-              </a:ext>
-            </a:extLst>
-          </p:cNvPr>
-          <p:cNvPicPr>
-            <a:picLocks noChangeAspect="1"/>
-          </p:cNvPicPr>
-          <p:nvPr/>
-        </p:nvPicPr>
-        <p:blipFill rotWithShape="1">
-          <a:blip r:embed="rId5">
-            <a:extLst>
-              <a:ext uri="{28A0092B-C50C-407E-A947-70E740481C1C}">
-                <a14:useLocalDpi xmlns:a14="http://schemas.microsoft.com/office/drawing/2010/main" val="0"/>
-              </a:ext>
-            </a:extLst>
-          </a:blip>
-          <a:srcRect l="17045" t="10100" r="15703" b="12535"/>
-          <a:stretch/>
-        </p:blipFill>
-        <p:spPr>
-          <a:xfrm>
-            <a:off x="7614474" y="3393"/>
-            <a:ext cx="1330519" cy="1363172"/>
-          </a:xfrm>
-          <a:prstGeom prst="rect">
-            <a:avLst/>
-          </a:prstGeom>
-        </p:spPr>
-      </p:pic>
-      <p:pic>
-        <p:nvPicPr>
-          <p:cNvPr id="1032" name="Picture 8" descr="ZF Friedrichshafen - Wikipedia">
-            <a:extLst>
-              <a:ext uri="{FF2B5EF4-FFF2-40B4-BE49-F238E27FC236}">
-                <a16:creationId xmlns:a16="http://schemas.microsoft.com/office/drawing/2014/main" id="{18E1BF34-93D5-42C8-9FBD-BB24CDAFCE2C}"/>
-              </a:ext>
-            </a:extLst>
-          </p:cNvPr>
-          <p:cNvPicPr>
-            <a:picLocks noChangeAspect="1" noChangeArrowheads="1"/>
-          </p:cNvPicPr>
-          <p:nvPr/>
-        </p:nvPicPr>
-        <p:blipFill>
-          <a:blip r:embed="rId6">
-            <a:extLst>
-              <a:ext uri="{28A0092B-C50C-407E-A947-70E740481C1C}">
-                <a14:useLocalDpi xmlns:a14="http://schemas.microsoft.com/office/drawing/2010/main" val="0"/>
-              </a:ext>
-            </a:extLst>
-          </a:blip>
-          <a:srcRect/>
-          <a:stretch>
-            <a:fillRect/>
-          </a:stretch>
-        </p:blipFill>
-        <p:spPr bwMode="auto">
-          <a:xfrm>
-            <a:off x="13846492" y="5933"/>
+            <a:off x="12014200" y="-1425"/>
             <a:ext cx="1371600" cy="1371600"/>
           </a:xfrm>
           <a:prstGeom prst="rect">
@@ -3184,7 +3070,7 @@
           <p:nvPr/>
         </p:nvPicPr>
         <p:blipFill>
-          <a:blip r:embed="rId7">
+          <a:blip r:embed="rId4">
             <a:extLst>
               <a:ext uri="{28A0092B-C50C-407E-A947-70E740481C1C}">
                 <a14:useLocalDpi xmlns:a14="http://schemas.microsoft.com/office/drawing/2010/main" val="0"/>
@@ -3197,7 +3083,7 @@
         </p:blipFill>
         <p:spPr>
           <a:xfrm>
-            <a:off x="9140255" y="2850"/>
+            <a:off x="7154708" y="0"/>
             <a:ext cx="4510975" cy="1368750"/>
           </a:xfrm>
           <a:prstGeom prst="rect">
@@ -3220,7 +3106,7 @@
           <p:nvPr/>
         </p:nvPicPr>
         <p:blipFill>
-          <a:blip r:embed="rId8">
+          <a:blip r:embed="rId5">
             <a:extLst>
               <a:ext uri="{28A0092B-C50C-407E-A947-70E740481C1C}">
                 <a14:useLocalDpi xmlns:a14="http://schemas.microsoft.com/office/drawing/2010/main" val="0"/>
@@ -3233,8 +3119,44 @@
         </p:blipFill>
         <p:spPr>
           <a:xfrm>
-            <a:off x="15413354" y="0"/>
+            <a:off x="15413354" y="-1425"/>
             <a:ext cx="3000375" cy="1371600"/>
+          </a:xfrm>
+          <a:prstGeom prst="rect">
+            <a:avLst/>
+          </a:prstGeom>
+        </p:spPr>
+      </p:pic>
+      <p:pic>
+        <p:nvPicPr>
+          <p:cNvPr id="3" name="Picture 2" descr="A picture containing drawing&#10;&#10;Description automatically generated">
+            <a:extLst>
+              <a:ext uri="{FF2B5EF4-FFF2-40B4-BE49-F238E27FC236}">
+                <a16:creationId xmlns:a16="http://schemas.microsoft.com/office/drawing/2014/main" id="{2C07900A-08DD-4927-9A0B-43254ACE6DE3}"/>
+              </a:ext>
+            </a:extLst>
+          </p:cNvPr>
+          <p:cNvPicPr>
+            <a:picLocks noChangeAspect="1"/>
+          </p:cNvPicPr>
+          <p:nvPr/>
+        </p:nvPicPr>
+        <p:blipFill>
+          <a:blip r:embed="rId6">
+            <a:extLst>
+              <a:ext uri="{28A0092B-C50C-407E-A947-70E740481C1C}">
+                <a14:useLocalDpi xmlns:a14="http://schemas.microsoft.com/office/drawing/2010/main" val="0"/>
+              </a:ext>
+            </a:extLst>
+          </a:blip>
+          <a:stretch>
+            <a:fillRect/>
+          </a:stretch>
+        </p:blipFill>
+        <p:spPr>
+          <a:xfrm>
+            <a:off x="5434591" y="-1425"/>
+            <a:ext cx="1371600" cy="1371600"/>
           </a:xfrm>
           <a:prstGeom prst="rect">
             <a:avLst/>
